--- a/Presentation.pptx
+++ b/Presentation.pptx
@@ -6941,220 +6941,6 @@
               </a:spcAft>
               <a:buNone/>
             </a:pPr>
-            <a:r>
-              <a:rPr lang="id-ID" sz="1100" dirty="0">
-                <a:solidFill>
-                  <a:srgbClr val="282828"/>
-                </a:solidFill>
-                <a:latin typeface="Inter"/>
-                <a:ea typeface="Inter"/>
-                <a:cs typeface="Inter"/>
-                <a:sym typeface="Inter"/>
-              </a:rPr>
-              <a:t>&lt;pada bagian ini, silakan Anda menyusun sistematika slide sesuai dengan keinginan kelompok Anda&gt; </a:t>
-            </a:r>
-          </a:p>
-          <a:p>
-            <a:pPr marL="0" lvl="0" indent="0" algn="l" rtl="0">
-              <a:spcBef>
-                <a:spcPts val="1000"/>
-              </a:spcBef>
-              <a:spcAft>
-                <a:spcPts val="0"/>
-              </a:spcAft>
-              <a:buNone/>
-            </a:pPr>
-            <a:r>
-              <a:rPr lang="id-ID" sz="1100" dirty="0">
-                <a:solidFill>
-                  <a:srgbClr val="282828"/>
-                </a:solidFill>
-                <a:latin typeface="Inter"/>
-                <a:ea typeface="Inter"/>
-                <a:cs typeface="Inter"/>
-                <a:sym typeface="Inter"/>
-              </a:rPr>
-              <a:t>hal-hal yang disarankan untuk dipresentasikan:</a:t>
-            </a:r>
-          </a:p>
-          <a:p>
-            <a:pPr marL="457200" lvl="0" indent="-323850" algn="l" rtl="0">
-              <a:spcBef>
-                <a:spcPts val="1000"/>
-              </a:spcBef>
-              <a:spcAft>
-                <a:spcPts val="0"/>
-              </a:spcAft>
-              <a:buClr>
-                <a:srgbClr val="282828"/>
-              </a:buClr>
-              <a:buSzPts val="1500"/>
-              <a:buFont typeface="Inter"/>
-              <a:buChar char="-"/>
-            </a:pPr>
-            <a:r>
-              <a:rPr lang="id-ID" sz="1100" dirty="0">
-                <a:solidFill>
-                  <a:srgbClr val="282828"/>
-                </a:solidFill>
-                <a:latin typeface="Inter"/>
-                <a:ea typeface="Inter"/>
-                <a:cs typeface="Inter"/>
-                <a:sym typeface="Inter"/>
-              </a:rPr>
-              <a:t>Metode train test split / cross validation yang digunakan</a:t>
-            </a:r>
-          </a:p>
-          <a:p>
-            <a:pPr marL="457200" lvl="0" indent="-323850" algn="l" rtl="0">
-              <a:spcBef>
-                <a:spcPts val="0"/>
-              </a:spcBef>
-              <a:spcAft>
-                <a:spcPts val="0"/>
-              </a:spcAft>
-              <a:buClr>
-                <a:srgbClr val="282828"/>
-              </a:buClr>
-              <a:buSzPts val="1500"/>
-              <a:buFont typeface="Inter"/>
-              <a:buChar char="-"/>
-            </a:pPr>
-            <a:r>
-              <a:rPr lang="id-ID" sz="1100" dirty="0">
-                <a:solidFill>
-                  <a:srgbClr val="282828"/>
-                </a:solidFill>
-                <a:latin typeface="Inter"/>
-                <a:ea typeface="Inter"/>
-                <a:cs typeface="Inter"/>
-                <a:sym typeface="Inter"/>
-              </a:rPr>
-              <a:t>Metrik untuk melakukan evaluasi</a:t>
-            </a:r>
-          </a:p>
-          <a:p>
-            <a:pPr marL="457200" lvl="0" indent="-323850" algn="l" rtl="0">
-              <a:spcBef>
-                <a:spcPts val="0"/>
-              </a:spcBef>
-              <a:spcAft>
-                <a:spcPts val="0"/>
-              </a:spcAft>
-              <a:buClr>
-                <a:srgbClr val="282828"/>
-              </a:buClr>
-              <a:buSzPts val="1500"/>
-              <a:buFont typeface="Inter"/>
-              <a:buChar char="-"/>
-            </a:pPr>
-            <a:r>
-              <a:rPr lang="id-ID" sz="1100" dirty="0">
-                <a:solidFill>
-                  <a:srgbClr val="282828"/>
-                </a:solidFill>
-                <a:latin typeface="Inter"/>
-                <a:ea typeface="Inter"/>
-                <a:cs typeface="Inter"/>
-                <a:sym typeface="Inter"/>
-              </a:rPr>
-              <a:t>Jenis model awal yang dicoba</a:t>
-            </a:r>
-          </a:p>
-          <a:p>
-            <a:pPr marL="457200" lvl="0" indent="-323850" algn="l" rtl="0">
-              <a:spcBef>
-                <a:spcPts val="0"/>
-              </a:spcBef>
-              <a:spcAft>
-                <a:spcPts val="0"/>
-              </a:spcAft>
-              <a:buClr>
-                <a:srgbClr val="282828"/>
-              </a:buClr>
-              <a:buSzPts val="1500"/>
-              <a:buFont typeface="Inter"/>
-              <a:buChar char="-"/>
-            </a:pPr>
-            <a:r>
-              <a:rPr lang="id-ID" sz="1100" dirty="0">
-                <a:solidFill>
-                  <a:srgbClr val="282828"/>
-                </a:solidFill>
-                <a:latin typeface="Inter"/>
-                <a:ea typeface="Inter"/>
-                <a:cs typeface="Inter"/>
-                <a:sym typeface="Inter"/>
-              </a:rPr>
-              <a:t>Jenis model lain yang turut dicoba, serta tindakan-tindakan apa saja yang dilakukan untuk mencoba menambah akurasi model (hyperparameter tuning, dst)</a:t>
-            </a:r>
-          </a:p>
-          <a:p>
-            <a:pPr marL="457200" lvl="0" indent="-323850" algn="l" rtl="0">
-              <a:spcBef>
-                <a:spcPts val="0"/>
-              </a:spcBef>
-              <a:spcAft>
-                <a:spcPts val="0"/>
-              </a:spcAft>
-              <a:buClr>
-                <a:srgbClr val="282828"/>
-              </a:buClr>
-              <a:buSzPts val="1500"/>
-              <a:buFont typeface="Inter"/>
-              <a:buChar char="-"/>
-            </a:pPr>
-            <a:r>
-              <a:rPr lang="id-ID" sz="1100" dirty="0">
-                <a:solidFill>
-                  <a:srgbClr val="282828"/>
-                </a:solidFill>
-                <a:latin typeface="Inter"/>
-                <a:ea typeface="Inter"/>
-                <a:cs typeface="Inter"/>
-                <a:sym typeface="Inter"/>
-              </a:rPr>
-              <a:t>Model final </a:t>
-            </a:r>
-          </a:p>
-          <a:p>
-            <a:pPr marL="457200" lvl="0" indent="-323850" algn="l" rtl="0">
-              <a:spcBef>
-                <a:spcPts val="0"/>
-              </a:spcBef>
-              <a:spcAft>
-                <a:spcPts val="0"/>
-              </a:spcAft>
-              <a:buClr>
-                <a:srgbClr val="282828"/>
-              </a:buClr>
-              <a:buSzPts val="1500"/>
-              <a:buFont typeface="Inter"/>
-              <a:buChar char="-"/>
-            </a:pPr>
-            <a:r>
-              <a:rPr lang="id-ID" sz="1100" dirty="0">
-                <a:solidFill>
-                  <a:srgbClr val="282828"/>
-                </a:solidFill>
-                <a:latin typeface="Inter"/>
-                <a:ea typeface="Inter"/>
-                <a:cs typeface="Inter"/>
-                <a:sym typeface="Inter"/>
-              </a:rPr>
-              <a:t>Kolom-kolom apa saja yang menjadi prediktor dan target variable untuk model final </a:t>
-            </a:r>
-          </a:p>
-          <a:p>
-            <a:pPr marL="0" lvl="0" indent="0" algn="l" rtl="0">
-              <a:spcBef>
-                <a:spcPts val="0"/>
-              </a:spcBef>
-              <a:spcAft>
-                <a:spcPts val="0"/>
-              </a:spcAft>
-              <a:buNone/>
-            </a:pPr>
             <a:endParaRPr dirty="0"/>
           </a:p>
         </p:txBody>
@@ -8416,109 +8202,6 @@
           <a:lstStyle/>
           <a:p>
             <a:pPr marL="0" lvl="0" indent="0" algn="l" rtl="0">
-              <a:lnSpc>
-                <a:spcPct val="115000"/>
-              </a:lnSpc>
-              <a:spcBef>
-                <a:spcPts val="0"/>
-              </a:spcBef>
-              <a:spcAft>
-                <a:spcPts val="0"/>
-              </a:spcAft>
-              <a:buNone/>
-            </a:pPr>
-            <a:r>
-              <a:rPr lang="id-ID" sz="1100" dirty="0">
-                <a:solidFill>
-                  <a:srgbClr val="282828"/>
-                </a:solidFill>
-                <a:latin typeface="Inter"/>
-                <a:ea typeface="Inter"/>
-                <a:cs typeface="Inter"/>
-                <a:sym typeface="Inter"/>
-              </a:rPr>
-              <a:t>&lt;pada slide ini, paparkan secara singkat topik pada dataset.&gt;</a:t>
-            </a:r>
-          </a:p>
-          <a:p>
-            <a:pPr marL="0" lvl="0" indent="0" algn="l" rtl="0">
-              <a:lnSpc>
-                <a:spcPct val="115000"/>
-              </a:lnSpc>
-              <a:spcBef>
-                <a:spcPts val="1000"/>
-              </a:spcBef>
-              <a:spcAft>
-                <a:spcPts val="0"/>
-              </a:spcAft>
-              <a:buNone/>
-            </a:pPr>
-            <a:r>
-              <a:rPr lang="id-ID" sz="1100" dirty="0">
-                <a:solidFill>
-                  <a:srgbClr val="282828"/>
-                </a:solidFill>
-                <a:latin typeface="Inter"/>
-                <a:ea typeface="Inter"/>
-                <a:cs typeface="Inter"/>
-                <a:sym typeface="Inter"/>
-              </a:rPr>
-              <a:t>&lt;contoh: jika dataset yang dipilih adalah harga smartphone, boleh dijelaskan secara singkat tentang dunia smartphone, dan apa saja faktor-faktor yang dapat memengaruhi harga, dan mengapa perusahaan smartphone merilis smartphone pada segmentasi harga yang berbeda-beda&gt; </a:t>
-            </a:r>
-          </a:p>
-          <a:p>
-            <a:pPr marL="0" lvl="0" indent="0" algn="l" rtl="0">
-              <a:spcBef>
-                <a:spcPts val="1000"/>
-              </a:spcBef>
-              <a:spcAft>
-                <a:spcPts val="0"/>
-              </a:spcAft>
-              <a:buNone/>
-            </a:pPr>
-            <a:r>
-              <a:rPr lang="id-ID" sz="1100" dirty="0">
-                <a:solidFill>
-                  <a:srgbClr val="282828"/>
-                </a:solidFill>
-                <a:latin typeface="Inter"/>
-                <a:ea typeface="Inter"/>
-                <a:cs typeface="Inter"/>
-                <a:sym typeface="Inter"/>
-              </a:rPr>
-              <a:t>&lt;contoh: jika dataset yang dipilih adalah churn, boleh dijelaskan apa itu churn, dan mengapa churn itu harus diantisipasi, apa pengaruhnya ke bisnis, dst&gt; </a:t>
-            </a:r>
-          </a:p>
-          <a:p>
-            <a:pPr marL="0" lvl="0" indent="0" algn="l" rtl="0">
-              <a:spcBef>
-                <a:spcPts val="1000"/>
-              </a:spcBef>
-              <a:spcAft>
-                <a:spcPts val="1000"/>
-              </a:spcAft>
-              <a:buClr>
-                <a:schemeClr val="dk1"/>
-              </a:buClr>
-              <a:buSzPts val="1100"/>
-              <a:buFont typeface="Arial"/>
-              <a:buNone/>
-            </a:pPr>
-            <a:r>
-              <a:rPr lang="id-ID" sz="1100" dirty="0">
-                <a:solidFill>
-                  <a:srgbClr val="282828"/>
-                </a:solidFill>
-                <a:latin typeface="Inter"/>
-                <a:ea typeface="Inter"/>
-                <a:cs typeface="Inter"/>
-                <a:sym typeface="Inter"/>
-              </a:rPr>
-              <a:t>&lt;boleh menggunakan gambar&gt;</a:t>
-            </a:r>
-          </a:p>
-          <a:p>
-            <a:pPr marL="0" lvl="0" indent="0" algn="l" rtl="0">
               <a:spcBef>
                 <a:spcPts val="0"/>
               </a:spcBef>
@@ -8770,121 +8453,6 @@
             <a:noAutofit/>
           </a:bodyPr>
           <a:lstStyle/>
-          <a:p>
-            <a:pPr marL="0" lvl="0" indent="0" algn="l" rtl="0">
-              <a:spcBef>
-                <a:spcPts val="0"/>
-              </a:spcBef>
-              <a:spcAft>
-                <a:spcPts val="0"/>
-              </a:spcAft>
-              <a:buNone/>
-            </a:pPr>
-            <a:r>
-              <a:rPr lang="id-ID" sz="1100" dirty="0">
-                <a:solidFill>
-                  <a:srgbClr val="282828"/>
-                </a:solidFill>
-                <a:latin typeface="Inter"/>
-                <a:ea typeface="Inter"/>
-                <a:cs typeface="Inter"/>
-                <a:sym typeface="Inter"/>
-              </a:rPr>
-              <a:t>&lt;jelaskan apakah data butuh di’bersihkan’ atau tidak usah&gt;</a:t>
-            </a:r>
-          </a:p>
-          <a:p>
-            <a:pPr marL="0" lvl="0" indent="0" algn="l" rtl="0">
-              <a:spcBef>
-                <a:spcPts val="1000"/>
-              </a:spcBef>
-              <a:spcAft>
-                <a:spcPts val="0"/>
-              </a:spcAft>
-              <a:buNone/>
-            </a:pPr>
-            <a:r>
-              <a:rPr lang="id-ID" sz="1100" dirty="0">
-                <a:solidFill>
-                  <a:srgbClr val="282828"/>
-                </a:solidFill>
-                <a:latin typeface="Inter"/>
-                <a:ea typeface="Inter"/>
-                <a:cs typeface="Inter"/>
-                <a:sym typeface="Inter"/>
-              </a:rPr>
-              <a:t>&lt;beri pemaparan dimensi dari data, brp baris, berapa kolom, berapa yang missing, dst&gt;</a:t>
-            </a:r>
-          </a:p>
-          <a:p>
-            <a:pPr marL="0" lvl="0" indent="0" algn="l" rtl="0">
-              <a:spcBef>
-                <a:spcPts val="1000"/>
-              </a:spcBef>
-              <a:spcAft>
-                <a:spcPts val="0"/>
-              </a:spcAft>
-              <a:buNone/>
-            </a:pPr>
-            <a:r>
-              <a:rPr lang="id-ID" sz="1100" dirty="0">
-                <a:solidFill>
-                  <a:srgbClr val="282828"/>
-                </a:solidFill>
-                <a:latin typeface="Inter"/>
-                <a:ea typeface="Inter"/>
-                <a:cs typeface="Inter"/>
-                <a:sym typeface="Inter"/>
-              </a:rPr>
-              <a:t>&lt;presentasikan problem yang Anda temui, dan bagaimana solusi Anda terhadap problem tersebut&gt; </a:t>
-            </a:r>
-          </a:p>
-          <a:p>
-            <a:pPr marL="0" lvl="0" indent="0" algn="l" rtl="0">
-              <a:spcBef>
-                <a:spcPts val="1000"/>
-              </a:spcBef>
-              <a:spcAft>
-                <a:spcPts val="0"/>
-              </a:spcAft>
-              <a:buNone/>
-            </a:pPr>
-            <a:r>
-              <a:rPr lang="id-ID" sz="1100" dirty="0">
-                <a:solidFill>
-                  <a:srgbClr val="282828"/>
-                </a:solidFill>
-                <a:latin typeface="Inter"/>
-                <a:ea typeface="Inter"/>
-                <a:cs typeface="Inter"/>
-                <a:sym typeface="Inter"/>
-              </a:rPr>
-              <a:t>&lt;misal: terdapat missing value pada kolom ___, solusi dari kami adalah ___&gt;</a:t>
-            </a:r>
-          </a:p>
-          <a:p>
-            <a:pPr marL="0" lvl="0" indent="0" algn="l" rtl="0">
-              <a:spcBef>
-                <a:spcPts val="1000"/>
-              </a:spcBef>
-              <a:spcAft>
-                <a:spcPts val="1000"/>
-              </a:spcAft>
-              <a:buNone/>
-            </a:pPr>
-            <a:r>
-              <a:rPr lang="id-ID" sz="1100" dirty="0">
-                <a:solidFill>
-                  <a:srgbClr val="282828"/>
-                </a:solidFill>
-                <a:latin typeface="Inter"/>
-                <a:ea typeface="Inter"/>
-                <a:cs typeface="Inter"/>
-                <a:sym typeface="Inter"/>
-              </a:rPr>
-              <a:t>&lt;boleh didukung dengan visualisasi&gt; </a:t>
-            </a:r>
-          </a:p>
           <a:p>
             <a:pPr marL="0" lvl="0" indent="0" algn="l" rtl="0">
               <a:spcBef>
@@ -13972,7 +13540,7 @@
                 <a:cs typeface="Inter SemiBold"/>
                 <a:sym typeface="Inter SemiBold"/>
               </a:rPr>
-              <a:t>Ilham Ilyas</a:t>
+              <a:t>Ilham Ilyas Rasyid</a:t>
             </a:r>
             <a:endParaRPr sz="1800" dirty="0">
               <a:solidFill>
